--- a/Vincent/Carte des pays.pptx
+++ b/Vincent/Carte des pays.pptx
@@ -104,6 +104,11 @@
       </a:defRPr>
     </a:lvl9pPr>
   </p:defaultTextStyle>
+  <p:extLst>
+    <p:ext uri="{EFAFB233-063F-42B5-8137-9DF3F51BA10A}">
+      <p15:sldGuideLst xmlns:p15="http://schemas.microsoft.com/office/powerpoint/2012/main"/>
+    </p:ext>
+  </p:extLst>
 </p:presentation>
 </file>
 
@@ -4448,6 +4453,41 @@
           </a:p>
         </p:txBody>
       </p:sp>
+      <p:sp>
+        <p:nvSpPr>
+          <p:cNvPr id="2" name="ZoneTexte 1">
+            <a:extLst>
+              <a:ext uri="{FF2B5EF4-FFF2-40B4-BE49-F238E27FC236}">
+                <a16:creationId xmlns:a16="http://schemas.microsoft.com/office/drawing/2014/main" id="{E0375C22-A191-42DA-A8D1-66709FC355BF}"/>
+              </a:ext>
+            </a:extLst>
+          </p:cNvPr>
+          <p:cNvSpPr txBox="1"/>
+          <p:nvPr/>
+        </p:nvSpPr>
+        <p:spPr>
+          <a:xfrm>
+            <a:off x="6584945" y="5533337"/>
+            <a:ext cx="1349996" cy="369332"/>
+          </a:xfrm>
+          <a:prstGeom prst="rect">
+            <a:avLst/>
+          </a:prstGeom>
+          <a:noFill/>
+        </p:spPr>
+        <p:txBody>
+          <a:bodyPr wrap="square" rtlCol="0">
+            <a:spAutoFit/>
+          </a:bodyPr>
+          <a:lstStyle/>
+          <a:p>
+            <a:r>
+              <a:rPr lang="fr-FR" dirty="0"/>
+              <a:t>Madagascar</a:t>
+            </a:r>
+          </a:p>
+        </p:txBody>
+      </p:sp>
     </p:spTree>
     <p:extLst>
       <p:ext uri="{BB962C8B-B14F-4D97-AF65-F5344CB8AC3E}">

--- a/Vincent/Carte des pays.pptx
+++ b/Vincent/Carte des pays.pptx
@@ -104,6 +104,11 @@
       </a:defRPr>
     </a:lvl9pPr>
   </p:defaultTextStyle>
+  <p:extLst>
+    <p:ext uri="{EFAFB233-063F-42B5-8137-9DF3F51BA10A}">
+      <p15:sldGuideLst xmlns:p15="http://schemas.microsoft.com/office/powerpoint/2012/main"/>
+    </p:ext>
+  </p:extLst>
 </p:presentation>
 </file>
 
@@ -254,7 +259,7 @@
           <a:p>
             <a:fld id="{747FAAD6-2BA0-4AD3-8737-D865B98C3F61}" type="datetimeFigureOut">
               <a:rPr lang="fr-FR" smtClean="0"/>
-              <a:t>31/03/2020</a:t>
+              <a:t>04/04/2020</a:t>
             </a:fld>
             <a:endParaRPr lang="fr-FR"/>
           </a:p>
@@ -452,7 +457,7 @@
           <a:p>
             <a:fld id="{747FAAD6-2BA0-4AD3-8737-D865B98C3F61}" type="datetimeFigureOut">
               <a:rPr lang="fr-FR" smtClean="0"/>
-              <a:t>31/03/2020</a:t>
+              <a:t>04/04/2020</a:t>
             </a:fld>
             <a:endParaRPr lang="fr-FR"/>
           </a:p>
@@ -660,7 +665,7 @@
           <a:p>
             <a:fld id="{747FAAD6-2BA0-4AD3-8737-D865B98C3F61}" type="datetimeFigureOut">
               <a:rPr lang="fr-FR" smtClean="0"/>
-              <a:t>31/03/2020</a:t>
+              <a:t>04/04/2020</a:t>
             </a:fld>
             <a:endParaRPr lang="fr-FR"/>
           </a:p>
@@ -858,7 +863,7 @@
           <a:p>
             <a:fld id="{747FAAD6-2BA0-4AD3-8737-D865B98C3F61}" type="datetimeFigureOut">
               <a:rPr lang="fr-FR" smtClean="0"/>
-              <a:t>31/03/2020</a:t>
+              <a:t>04/04/2020</a:t>
             </a:fld>
             <a:endParaRPr lang="fr-FR"/>
           </a:p>
@@ -1133,7 +1138,7 @@
           <a:p>
             <a:fld id="{747FAAD6-2BA0-4AD3-8737-D865B98C3F61}" type="datetimeFigureOut">
               <a:rPr lang="fr-FR" smtClean="0"/>
-              <a:t>31/03/2020</a:t>
+              <a:t>04/04/2020</a:t>
             </a:fld>
             <a:endParaRPr lang="fr-FR"/>
           </a:p>
@@ -1398,7 +1403,7 @@
           <a:p>
             <a:fld id="{747FAAD6-2BA0-4AD3-8737-D865B98C3F61}" type="datetimeFigureOut">
               <a:rPr lang="fr-FR" smtClean="0"/>
-              <a:t>31/03/2020</a:t>
+              <a:t>04/04/2020</a:t>
             </a:fld>
             <a:endParaRPr lang="fr-FR"/>
           </a:p>
@@ -1810,7 +1815,7 @@
           <a:p>
             <a:fld id="{747FAAD6-2BA0-4AD3-8737-D865B98C3F61}" type="datetimeFigureOut">
               <a:rPr lang="fr-FR" smtClean="0"/>
-              <a:t>31/03/2020</a:t>
+              <a:t>04/04/2020</a:t>
             </a:fld>
             <a:endParaRPr lang="fr-FR"/>
           </a:p>
@@ -1951,7 +1956,7 @@
           <a:p>
             <a:fld id="{747FAAD6-2BA0-4AD3-8737-D865B98C3F61}" type="datetimeFigureOut">
               <a:rPr lang="fr-FR" smtClean="0"/>
-              <a:t>31/03/2020</a:t>
+              <a:t>04/04/2020</a:t>
             </a:fld>
             <a:endParaRPr lang="fr-FR"/>
           </a:p>
@@ -2064,7 +2069,7 @@
           <a:p>
             <a:fld id="{747FAAD6-2BA0-4AD3-8737-D865B98C3F61}" type="datetimeFigureOut">
               <a:rPr lang="fr-FR" smtClean="0"/>
-              <a:t>31/03/2020</a:t>
+              <a:t>04/04/2020</a:t>
             </a:fld>
             <a:endParaRPr lang="fr-FR"/>
           </a:p>
@@ -2375,7 +2380,7 @@
           <a:p>
             <a:fld id="{747FAAD6-2BA0-4AD3-8737-D865B98C3F61}" type="datetimeFigureOut">
               <a:rPr lang="fr-FR" smtClean="0"/>
-              <a:t>31/03/2020</a:t>
+              <a:t>04/04/2020</a:t>
             </a:fld>
             <a:endParaRPr lang="fr-FR"/>
           </a:p>
@@ -2663,7 +2668,7 @@
           <a:p>
             <a:fld id="{747FAAD6-2BA0-4AD3-8737-D865B98C3F61}" type="datetimeFigureOut">
               <a:rPr lang="fr-FR" smtClean="0"/>
-              <a:t>31/03/2020</a:t>
+              <a:t>04/04/2020</a:t>
             </a:fld>
             <a:endParaRPr lang="fr-FR"/>
           </a:p>
@@ -2904,7 +2909,7 @@
           <a:p>
             <a:fld id="{747FAAD6-2BA0-4AD3-8737-D865B98C3F61}" type="datetimeFigureOut">
               <a:rPr lang="fr-FR" smtClean="0"/>
-              <a:t>31/03/2020</a:t>
+              <a:t>04/04/2020</a:t>
             </a:fld>
             <a:endParaRPr lang="fr-FR"/>
           </a:p>
@@ -3457,10 +3462,18 @@
           <a:lstStyle/>
           <a:p>
             <a:r>
-              <a:rPr lang="fr-FR" dirty="0" err="1"/>
+              <a:rPr lang="fr-FR" dirty="0" err="1">
+                <a:highlight>
+                  <a:srgbClr val="FFFF00"/>
+                </a:highlight>
+              </a:rPr>
               <a:t>India</a:t>
             </a:r>
-            <a:endParaRPr lang="fr-FR" dirty="0"/>
+            <a:endParaRPr lang="fr-FR" dirty="0">
+              <a:highlight>
+                <a:srgbClr val="FFFF00"/>
+              </a:highlight>
+            </a:endParaRPr>
           </a:p>
         </p:txBody>
       </p:sp>
@@ -3493,10 +3506,18 @@
           <a:lstStyle/>
           <a:p>
             <a:r>
-              <a:rPr lang="fr-FR" dirty="0" err="1"/>
+              <a:rPr lang="fr-FR" dirty="0" err="1">
+                <a:highlight>
+                  <a:srgbClr val="FFFF00"/>
+                </a:highlight>
+              </a:rPr>
               <a:t>S.E.Asia</a:t>
             </a:r>
-            <a:endParaRPr lang="fr-FR" dirty="0"/>
+            <a:endParaRPr lang="fr-FR" dirty="0">
+              <a:highlight>
+                <a:srgbClr val="FFFF00"/>
+              </a:highlight>
+            </a:endParaRPr>
           </a:p>
         </p:txBody>
       </p:sp>
@@ -3529,10 +3550,18 @@
           <a:lstStyle/>
           <a:p>
             <a:r>
-              <a:rPr lang="fr-FR" dirty="0" err="1"/>
+              <a:rPr lang="fr-FR" dirty="0" err="1">
+                <a:highlight>
+                  <a:srgbClr val="FFFF00"/>
+                </a:highlight>
+              </a:rPr>
               <a:t>Indonesia</a:t>
             </a:r>
-            <a:endParaRPr lang="fr-FR" dirty="0"/>
+            <a:endParaRPr lang="fr-FR" dirty="0">
+              <a:highlight>
+                <a:srgbClr val="FFFF00"/>
+              </a:highlight>
+            </a:endParaRPr>
           </a:p>
         </p:txBody>
       </p:sp>
@@ -3565,10 +3594,18 @@
           <a:lstStyle/>
           <a:p>
             <a:r>
-              <a:rPr lang="fr-FR" dirty="0" err="1"/>
+              <a:rPr lang="fr-FR" dirty="0" err="1">
+                <a:highlight>
+                  <a:srgbClr val="FFFF00"/>
+                </a:highlight>
+              </a:rPr>
               <a:t>Australia</a:t>
             </a:r>
-            <a:endParaRPr lang="fr-FR" dirty="0"/>
+            <a:endParaRPr lang="fr-FR" dirty="0">
+              <a:highlight>
+                <a:srgbClr val="FFFF00"/>
+              </a:highlight>
+            </a:endParaRPr>
           </a:p>
         </p:txBody>
       </p:sp>
@@ -3601,14 +3638,26 @@
           <a:lstStyle/>
           <a:p>
             <a:r>
-              <a:rPr lang="fr-FR" dirty="0"/>
+              <a:rPr lang="fr-FR" dirty="0">
+                <a:highlight>
+                  <a:srgbClr val="FFFF00"/>
+                </a:highlight>
+              </a:rPr>
               <a:t>South </a:t>
             </a:r>
             <a:r>
-              <a:rPr lang="fr-FR" dirty="0" err="1"/>
+              <a:rPr lang="fr-FR" dirty="0" err="1">
+                <a:highlight>
+                  <a:srgbClr val="FFFF00"/>
+                </a:highlight>
+              </a:rPr>
               <a:t>Africa</a:t>
             </a:r>
-            <a:endParaRPr lang="fr-FR" dirty="0"/>
+            <a:endParaRPr lang="fr-FR" dirty="0">
+              <a:highlight>
+                <a:srgbClr val="FFFF00"/>
+              </a:highlight>
+            </a:endParaRPr>
           </a:p>
         </p:txBody>
       </p:sp>
@@ -3641,14 +3690,26 @@
           <a:lstStyle/>
           <a:p>
             <a:r>
-              <a:rPr lang="fr-FR" dirty="0"/>
+              <a:rPr lang="fr-FR" dirty="0">
+                <a:highlight>
+                  <a:srgbClr val="FFFF00"/>
+                </a:highlight>
+              </a:rPr>
               <a:t>North </a:t>
             </a:r>
             <a:r>
-              <a:rPr lang="fr-FR" dirty="0" err="1"/>
+              <a:rPr lang="fr-FR" dirty="0" err="1">
+                <a:highlight>
+                  <a:srgbClr val="FFFF00"/>
+                </a:highlight>
+              </a:rPr>
               <a:t>Africa</a:t>
             </a:r>
-            <a:endParaRPr lang="fr-FR" dirty="0"/>
+            <a:endParaRPr lang="fr-FR" dirty="0">
+              <a:highlight>
+                <a:srgbClr val="FFFF00"/>
+              </a:highlight>
+            </a:endParaRPr>
           </a:p>
         </p:txBody>
       </p:sp>
@@ -3681,7 +3742,11 @@
           <a:lstStyle/>
           <a:p>
             <a:r>
-              <a:rPr lang="fr-FR" dirty="0"/>
+              <a:rPr lang="fr-FR" dirty="0">
+                <a:highlight>
+                  <a:srgbClr val="FFFF00"/>
+                </a:highlight>
+              </a:rPr>
               <a:t>Sahel</a:t>
             </a:r>
           </a:p>
@@ -3716,10 +3781,18 @@
           <a:lstStyle/>
           <a:p>
             <a:r>
-              <a:rPr lang="fr-FR" dirty="0" err="1"/>
+              <a:rPr lang="fr-FR" dirty="0" err="1">
+                <a:highlight>
+                  <a:srgbClr val="FFFF00"/>
+                </a:highlight>
+              </a:rPr>
               <a:t>Ethiopia</a:t>
             </a:r>
-            <a:endParaRPr lang="fr-FR" dirty="0"/>
+            <a:endParaRPr lang="fr-FR" dirty="0">
+              <a:highlight>
+                <a:srgbClr val="FFFF00"/>
+              </a:highlight>
+            </a:endParaRPr>
           </a:p>
         </p:txBody>
       </p:sp>
@@ -3752,7 +3825,11 @@
           <a:lstStyle/>
           <a:p>
             <a:r>
-              <a:rPr lang="fr-FR" dirty="0"/>
+              <a:rPr lang="fr-FR" dirty="0">
+                <a:highlight>
+                  <a:srgbClr val="FFFF00"/>
+                </a:highlight>
+              </a:rPr>
               <a:t>Congo</a:t>
             </a:r>
           </a:p>
@@ -3834,7 +3911,11 @@
           <a:lstStyle/>
           <a:p>
             <a:r>
-              <a:rPr lang="fr-FR" dirty="0"/>
+              <a:rPr lang="fr-FR" dirty="0">
+                <a:highlight>
+                  <a:srgbClr val="FFFF00"/>
+                </a:highlight>
+              </a:rPr>
               <a:t>Arabia</a:t>
             </a:r>
           </a:p>
@@ -3869,7 +3950,11 @@
           <a:lstStyle/>
           <a:p>
             <a:r>
-              <a:rPr lang="fr-FR" dirty="0"/>
+              <a:rPr lang="fr-FR" dirty="0">
+                <a:highlight>
+                  <a:srgbClr val="FFFF00"/>
+                </a:highlight>
+              </a:rPr>
               <a:t>France</a:t>
             </a:r>
           </a:p>
@@ -3904,7 +3989,11 @@
           <a:lstStyle/>
           <a:p>
             <a:r>
-              <a:rPr lang="fr-FR" dirty="0"/>
+              <a:rPr lang="fr-FR" dirty="0">
+                <a:highlight>
+                  <a:srgbClr val="FFFF00"/>
+                </a:highlight>
+              </a:rPr>
               <a:t>Spain</a:t>
             </a:r>
           </a:p>
@@ -3939,10 +4028,18 @@
           <a:lstStyle/>
           <a:p>
             <a:r>
-              <a:rPr lang="fr-FR" dirty="0" err="1"/>
+              <a:rPr lang="fr-FR" dirty="0" err="1">
+                <a:highlight>
+                  <a:srgbClr val="FFFF00"/>
+                </a:highlight>
+              </a:rPr>
               <a:t>Italy</a:t>
             </a:r>
-            <a:endParaRPr lang="fr-FR" dirty="0"/>
+            <a:endParaRPr lang="fr-FR" dirty="0">
+              <a:highlight>
+                <a:srgbClr val="FFFF00"/>
+              </a:highlight>
+            </a:endParaRPr>
           </a:p>
         </p:txBody>
       </p:sp>
@@ -3975,7 +4072,11 @@
           <a:lstStyle/>
           <a:p>
             <a:r>
-              <a:rPr lang="fr-FR" dirty="0"/>
+              <a:rPr lang="fr-FR" dirty="0">
+                <a:highlight>
+                  <a:srgbClr val="FFFF00"/>
+                </a:highlight>
+              </a:rPr>
               <a:t>UK</a:t>
             </a:r>
           </a:p>
@@ -4085,7 +4186,7 @@
           <a:p>
             <a:r>
               <a:rPr lang="fr-FR" dirty="0"/>
-              <a:t>Central Europe</a:t>
+              <a:t>Central Asia</a:t>
             </a:r>
           </a:p>
         </p:txBody>
@@ -4105,7 +4206,7 @@
         <p:spPr>
           <a:xfrm>
             <a:off x="7802532" y="2372867"/>
-            <a:ext cx="1188525" cy="369332"/>
+            <a:ext cx="1188525" cy="646331"/>
           </a:xfrm>
           <a:prstGeom prst="rect">
             <a:avLst/>
@@ -4119,10 +4220,9 @@
           <a:lstStyle/>
           <a:p>
             <a:r>
-              <a:rPr lang="fr-FR" dirty="0" err="1"/>
-              <a:t>Kazakstan</a:t>
-            </a:r>
-            <a:endParaRPr lang="fr-FR" dirty="0"/>
+              <a:rPr lang="fr-FR" dirty="0"/>
+              <a:t>Kazakhstan</a:t>
+            </a:r>
           </a:p>
         </p:txBody>
       </p:sp>
@@ -4155,14 +4255,26 @@
           <a:lstStyle/>
           <a:p>
             <a:r>
-              <a:rPr lang="fr-FR" dirty="0"/>
+              <a:rPr lang="fr-FR" dirty="0">
+                <a:highlight>
+                  <a:srgbClr val="FFFF00"/>
+                </a:highlight>
+              </a:rPr>
               <a:t>New </a:t>
             </a:r>
             <a:r>
-              <a:rPr lang="fr-FR" dirty="0" err="1"/>
+              <a:rPr lang="fr-FR" dirty="0" err="1">
+                <a:highlight>
+                  <a:srgbClr val="FFFF00"/>
+                </a:highlight>
+              </a:rPr>
               <a:t>Zealand</a:t>
             </a:r>
-            <a:endParaRPr lang="fr-FR" dirty="0"/>
+            <a:endParaRPr lang="fr-FR" dirty="0">
+              <a:highlight>
+                <a:srgbClr val="FFFF00"/>
+              </a:highlight>
+            </a:endParaRPr>
           </a:p>
         </p:txBody>
       </p:sp>
@@ -4195,7 +4307,11 @@
           <a:lstStyle/>
           <a:p>
             <a:r>
-              <a:rPr lang="fr-FR" dirty="0"/>
+              <a:rPr lang="fr-FR" dirty="0">
+                <a:highlight>
+                  <a:srgbClr val="FFFF00"/>
+                </a:highlight>
+              </a:rPr>
               <a:t>Canada</a:t>
             </a:r>
           </a:p>
@@ -4230,7 +4346,11 @@
           <a:lstStyle/>
           <a:p>
             <a:r>
-              <a:rPr lang="fr-FR" dirty="0"/>
+              <a:rPr lang="fr-FR" dirty="0">
+                <a:highlight>
+                  <a:srgbClr val="FFFF00"/>
+                </a:highlight>
+              </a:rPr>
               <a:t>USA</a:t>
             </a:r>
           </a:p>
@@ -4265,7 +4385,11 @@
           <a:lstStyle/>
           <a:p>
             <a:r>
-              <a:rPr lang="fr-FR" dirty="0"/>
+              <a:rPr lang="fr-FR" dirty="0">
+                <a:highlight>
+                  <a:srgbClr val="FFFF00"/>
+                </a:highlight>
+              </a:rPr>
               <a:t>Mexico</a:t>
             </a:r>
           </a:p>
@@ -4300,10 +4424,18 @@
           <a:lstStyle/>
           <a:p>
             <a:r>
-              <a:rPr lang="fr-FR" dirty="0" err="1"/>
+              <a:rPr lang="fr-FR" dirty="0" err="1">
+                <a:highlight>
+                  <a:srgbClr val="FFFF00"/>
+                </a:highlight>
+              </a:rPr>
               <a:t>CAmerica</a:t>
             </a:r>
-            <a:endParaRPr lang="fr-FR" dirty="0"/>
+            <a:endParaRPr lang="fr-FR" dirty="0">
+              <a:highlight>
+                <a:srgbClr val="FFFF00"/>
+              </a:highlight>
+            </a:endParaRPr>
           </a:p>
         </p:txBody>
       </p:sp>
@@ -4336,7 +4468,11 @@
           <a:lstStyle/>
           <a:p>
             <a:r>
-              <a:rPr lang="fr-FR" dirty="0"/>
+              <a:rPr lang="fr-FR" dirty="0">
+                <a:highlight>
+                  <a:srgbClr val="FFFF00"/>
+                </a:highlight>
+              </a:rPr>
               <a:t>Equateur</a:t>
             </a:r>
           </a:p>
@@ -4371,7 +4507,11 @@
           <a:lstStyle/>
           <a:p>
             <a:r>
-              <a:rPr lang="fr-FR" dirty="0"/>
+              <a:rPr lang="fr-FR" dirty="0">
+                <a:highlight>
+                  <a:srgbClr val="FFFF00"/>
+                </a:highlight>
+              </a:rPr>
               <a:t>Brazil</a:t>
             </a:r>
           </a:p>
@@ -4406,7 +4546,11 @@
           <a:lstStyle/>
           <a:p>
             <a:r>
-              <a:rPr lang="fr-FR" dirty="0"/>
+              <a:rPr lang="fr-FR" dirty="0">
+                <a:highlight>
+                  <a:srgbClr val="FFFF00"/>
+                </a:highlight>
+              </a:rPr>
               <a:t>Argentina</a:t>
             </a:r>
           </a:p>
@@ -4445,6 +4589,45 @@
               <a:t>Greenland</a:t>
             </a:r>
             <a:endParaRPr lang="fr-FR" dirty="0"/>
+          </a:p>
+        </p:txBody>
+      </p:sp>
+      <p:sp>
+        <p:nvSpPr>
+          <p:cNvPr id="2" name="ZoneTexte 1">
+            <a:extLst>
+              <a:ext uri="{FF2B5EF4-FFF2-40B4-BE49-F238E27FC236}">
+                <a16:creationId xmlns:a16="http://schemas.microsoft.com/office/drawing/2014/main" id="{8555476E-E123-48A9-91E5-60080BA1AFB8}"/>
+              </a:ext>
+            </a:extLst>
+          </p:cNvPr>
+          <p:cNvSpPr txBox="1"/>
+          <p:nvPr/>
+        </p:nvSpPr>
+        <p:spPr>
+          <a:xfrm>
+            <a:off x="6985242" y="4507491"/>
+            <a:ext cx="1411552" cy="369332"/>
+          </a:xfrm>
+          <a:prstGeom prst="rect">
+            <a:avLst/>
+          </a:prstGeom>
+          <a:noFill/>
+        </p:spPr>
+        <p:txBody>
+          <a:bodyPr wrap="square" rtlCol="0">
+            <a:spAutoFit/>
+          </a:bodyPr>
+          <a:lstStyle/>
+          <a:p>
+            <a:r>
+              <a:rPr lang="fr-FR" dirty="0">
+                <a:highlight>
+                  <a:srgbClr val="FFFF00"/>
+                </a:highlight>
+              </a:rPr>
+              <a:t>Madagascar</a:t>
+            </a:r>
           </a:p>
         </p:txBody>
       </p:sp>

--- a/Vincent/Carte des pays.pptx
+++ b/Vincent/Carte des pays.pptx
@@ -259,7 +259,7 @@
           <a:p>
             <a:fld id="{747FAAD6-2BA0-4AD3-8737-D865B98C3F61}" type="datetimeFigureOut">
               <a:rPr lang="fr-FR" smtClean="0"/>
-              <a:t>04/04/2020</a:t>
+              <a:t>07/04/2020</a:t>
             </a:fld>
             <a:endParaRPr lang="fr-FR"/>
           </a:p>
@@ -457,7 +457,7 @@
           <a:p>
             <a:fld id="{747FAAD6-2BA0-4AD3-8737-D865B98C3F61}" type="datetimeFigureOut">
               <a:rPr lang="fr-FR" smtClean="0"/>
-              <a:t>04/04/2020</a:t>
+              <a:t>07/04/2020</a:t>
             </a:fld>
             <a:endParaRPr lang="fr-FR"/>
           </a:p>
@@ -665,7 +665,7 @@
           <a:p>
             <a:fld id="{747FAAD6-2BA0-4AD3-8737-D865B98C3F61}" type="datetimeFigureOut">
               <a:rPr lang="fr-FR" smtClean="0"/>
-              <a:t>04/04/2020</a:t>
+              <a:t>07/04/2020</a:t>
             </a:fld>
             <a:endParaRPr lang="fr-FR"/>
           </a:p>
@@ -863,7 +863,7 @@
           <a:p>
             <a:fld id="{747FAAD6-2BA0-4AD3-8737-D865B98C3F61}" type="datetimeFigureOut">
               <a:rPr lang="fr-FR" smtClean="0"/>
-              <a:t>04/04/2020</a:t>
+              <a:t>07/04/2020</a:t>
             </a:fld>
             <a:endParaRPr lang="fr-FR"/>
           </a:p>
@@ -1138,7 +1138,7 @@
           <a:p>
             <a:fld id="{747FAAD6-2BA0-4AD3-8737-D865B98C3F61}" type="datetimeFigureOut">
               <a:rPr lang="fr-FR" smtClean="0"/>
-              <a:t>04/04/2020</a:t>
+              <a:t>07/04/2020</a:t>
             </a:fld>
             <a:endParaRPr lang="fr-FR"/>
           </a:p>
@@ -1403,7 +1403,7 @@
           <a:p>
             <a:fld id="{747FAAD6-2BA0-4AD3-8737-D865B98C3F61}" type="datetimeFigureOut">
               <a:rPr lang="fr-FR" smtClean="0"/>
-              <a:t>04/04/2020</a:t>
+              <a:t>07/04/2020</a:t>
             </a:fld>
             <a:endParaRPr lang="fr-FR"/>
           </a:p>
@@ -1815,7 +1815,7 @@
           <a:p>
             <a:fld id="{747FAAD6-2BA0-4AD3-8737-D865B98C3F61}" type="datetimeFigureOut">
               <a:rPr lang="fr-FR" smtClean="0"/>
-              <a:t>04/04/2020</a:t>
+              <a:t>07/04/2020</a:t>
             </a:fld>
             <a:endParaRPr lang="fr-FR"/>
           </a:p>
@@ -1956,7 +1956,7 @@
           <a:p>
             <a:fld id="{747FAAD6-2BA0-4AD3-8737-D865B98C3F61}" type="datetimeFigureOut">
               <a:rPr lang="fr-FR" smtClean="0"/>
-              <a:t>04/04/2020</a:t>
+              <a:t>07/04/2020</a:t>
             </a:fld>
             <a:endParaRPr lang="fr-FR"/>
           </a:p>
@@ -2069,7 +2069,7 @@
           <a:p>
             <a:fld id="{747FAAD6-2BA0-4AD3-8737-D865B98C3F61}" type="datetimeFigureOut">
               <a:rPr lang="fr-FR" smtClean="0"/>
-              <a:t>04/04/2020</a:t>
+              <a:t>07/04/2020</a:t>
             </a:fld>
             <a:endParaRPr lang="fr-FR"/>
           </a:p>
@@ -2380,7 +2380,7 @@
           <a:p>
             <a:fld id="{747FAAD6-2BA0-4AD3-8737-D865B98C3F61}" type="datetimeFigureOut">
               <a:rPr lang="fr-FR" smtClean="0"/>
-              <a:t>04/04/2020</a:t>
+              <a:t>07/04/2020</a:t>
             </a:fld>
             <a:endParaRPr lang="fr-FR"/>
           </a:p>
@@ -2668,7 +2668,7 @@
           <a:p>
             <a:fld id="{747FAAD6-2BA0-4AD3-8737-D865B98C3F61}" type="datetimeFigureOut">
               <a:rPr lang="fr-FR" smtClean="0"/>
-              <a:t>04/04/2020</a:t>
+              <a:t>07/04/2020</a:t>
             </a:fld>
             <a:endParaRPr lang="fr-FR"/>
           </a:p>
@@ -2909,7 +2909,7 @@
           <a:p>
             <a:fld id="{747FAAD6-2BA0-4AD3-8737-D865B98C3F61}" type="datetimeFigureOut">
               <a:rPr lang="fr-FR" smtClean="0"/>
-              <a:t>04/04/2020</a:t>
+              <a:t>07/04/2020</a:t>
             </a:fld>
             <a:endParaRPr lang="fr-FR"/>
           </a:p>
@@ -3427,8 +3427,12 @@
           <a:lstStyle/>
           <a:p>
             <a:r>
-              <a:rPr lang="fr-FR" dirty="0"/>
-              <a:t>china</a:t>
+              <a:rPr lang="fr-FR" dirty="0">
+                <a:highlight>
+                  <a:srgbClr val="FFFF00"/>
+                </a:highlight>
+              </a:rPr>
+              <a:t>China</a:t>
             </a:r>
           </a:p>
         </p:txBody>
@@ -4206,7 +4210,7 @@
         <p:spPr>
           <a:xfrm>
             <a:off x="7802532" y="2372867"/>
-            <a:ext cx="1188525" cy="646331"/>
+            <a:ext cx="1274618" cy="369332"/>
           </a:xfrm>
           <a:prstGeom prst="rect">
             <a:avLst/>
@@ -4220,7 +4224,11 @@
           <a:lstStyle/>
           <a:p>
             <a:r>
-              <a:rPr lang="fr-FR" dirty="0"/>
+              <a:rPr lang="fr-FR" dirty="0">
+                <a:highlight>
+                  <a:srgbClr val="FFFF00"/>
+                </a:highlight>
+              </a:rPr>
               <a:t>Kazakhstan</a:t>
             </a:r>
           </a:p>
@@ -4628,6 +4636,77 @@
               </a:rPr>
               <a:t>Madagascar</a:t>
             </a:r>
+          </a:p>
+        </p:txBody>
+      </p:sp>
+      <p:sp>
+        <p:nvSpPr>
+          <p:cNvPr id="3" name="ZoneTexte 2">
+            <a:extLst>
+              <a:ext uri="{FF2B5EF4-FFF2-40B4-BE49-F238E27FC236}">
+                <a16:creationId xmlns:a16="http://schemas.microsoft.com/office/drawing/2014/main" id="{E29120C6-FC8D-4938-831D-9C3AC6A6D53D}"/>
+              </a:ext>
+            </a:extLst>
+          </p:cNvPr>
+          <p:cNvSpPr txBox="1"/>
+          <p:nvPr/>
+        </p:nvSpPr>
+        <p:spPr>
+          <a:xfrm>
+            <a:off x="10346999" y="2583661"/>
+            <a:ext cx="1274618" cy="369332"/>
+          </a:xfrm>
+          <a:prstGeom prst="rect">
+            <a:avLst/>
+          </a:prstGeom>
+          <a:noFill/>
+        </p:spPr>
+        <p:txBody>
+          <a:bodyPr wrap="square" rtlCol="0">
+            <a:spAutoFit/>
+          </a:bodyPr>
+          <a:lstStyle/>
+          <a:p>
+            <a:r>
+              <a:rPr lang="fr-FR" dirty="0"/>
+              <a:t>Japon</a:t>
+            </a:r>
+          </a:p>
+        </p:txBody>
+      </p:sp>
+      <p:sp>
+        <p:nvSpPr>
+          <p:cNvPr id="4" name="ZoneTexte 3">
+            <a:extLst>
+              <a:ext uri="{FF2B5EF4-FFF2-40B4-BE49-F238E27FC236}">
+                <a16:creationId xmlns:a16="http://schemas.microsoft.com/office/drawing/2014/main" id="{7EEF2FA6-07B8-4E11-9D2A-AFFD8AC5F18F}"/>
+              </a:ext>
+            </a:extLst>
+          </p:cNvPr>
+          <p:cNvSpPr txBox="1"/>
+          <p:nvPr/>
+        </p:nvSpPr>
+        <p:spPr>
+          <a:xfrm>
+            <a:off x="6664036" y="2890609"/>
+            <a:ext cx="1261716" cy="369332"/>
+          </a:xfrm>
+          <a:prstGeom prst="rect">
+            <a:avLst/>
+          </a:prstGeom>
+          <a:noFill/>
+        </p:spPr>
+        <p:txBody>
+          <a:bodyPr wrap="square" rtlCol="0">
+            <a:spAutoFit/>
+          </a:bodyPr>
+          <a:lstStyle/>
+          <a:p>
+            <a:r>
+              <a:rPr lang="fr-FR" dirty="0" err="1"/>
+              <a:t>Turkey</a:t>
+            </a:r>
+            <a:endParaRPr lang="fr-FR" dirty="0"/>
           </a:p>
         </p:txBody>
       </p:sp>

--- a/Vincent/Carte des pays.pptx
+++ b/Vincent/Carte des pays.pptx
@@ -4115,7 +4115,11 @@
           <a:lstStyle/>
           <a:p>
             <a:r>
-              <a:rPr lang="fr-FR" dirty="0"/>
+              <a:rPr lang="fr-FR" dirty="0">
+                <a:highlight>
+                  <a:srgbClr val="FFFF00"/>
+                </a:highlight>
+              </a:rPr>
               <a:t>Center Europe</a:t>
             </a:r>
           </a:p>
@@ -4150,11 +4154,19 @@
           <a:lstStyle/>
           <a:p>
             <a:r>
-              <a:rPr lang="fr-FR" dirty="0" err="1"/>
+              <a:rPr lang="fr-FR" dirty="0" err="1">
+                <a:highlight>
+                  <a:srgbClr val="FFFF00"/>
+                </a:highlight>
+              </a:rPr>
               <a:t>Northen</a:t>
             </a:r>
             <a:r>
-              <a:rPr lang="fr-FR" dirty="0"/>
+              <a:rPr lang="fr-FR" dirty="0">
+                <a:highlight>
+                  <a:srgbClr val="FFFF00"/>
+                </a:highlight>
+              </a:rPr>
               <a:t> Lands</a:t>
             </a:r>
           </a:p>
@@ -4189,7 +4201,11 @@
           <a:lstStyle/>
           <a:p>
             <a:r>
-              <a:rPr lang="fr-FR" dirty="0"/>
+              <a:rPr lang="fr-FR" dirty="0">
+                <a:highlight>
+                  <a:srgbClr val="FFFF00"/>
+                </a:highlight>
+              </a:rPr>
               <a:t>Central Asia</a:t>
             </a:r>
           </a:p>
@@ -4668,8 +4684,12 @@
           <a:lstStyle/>
           <a:p>
             <a:r>
-              <a:rPr lang="fr-FR" dirty="0"/>
-              <a:t>Japon</a:t>
+              <a:rPr lang="fr-FR" dirty="0">
+                <a:highlight>
+                  <a:srgbClr val="FFFF00"/>
+                </a:highlight>
+              </a:rPr>
+              <a:t>Japan</a:t>
             </a:r>
           </a:p>
         </p:txBody>
@@ -4703,8 +4723,52 @@
           <a:lstStyle/>
           <a:p>
             <a:r>
+              <a:rPr lang="fr-FR" dirty="0" err="1">
+                <a:highlight>
+                  <a:srgbClr val="FFFF00"/>
+                </a:highlight>
+              </a:rPr>
+              <a:t>Turkey</a:t>
+            </a:r>
+            <a:endParaRPr lang="fr-FR" dirty="0">
+              <a:highlight>
+                <a:srgbClr val="FFFF00"/>
+              </a:highlight>
+            </a:endParaRPr>
+          </a:p>
+        </p:txBody>
+      </p:sp>
+      <p:sp>
+        <p:nvSpPr>
+          <p:cNvPr id="28" name="ZoneTexte 27">
+            <a:extLst>
+              <a:ext uri="{FF2B5EF4-FFF2-40B4-BE49-F238E27FC236}">
+                <a16:creationId xmlns:a16="http://schemas.microsoft.com/office/drawing/2014/main" id="{A5091A46-5808-4873-8201-9BBAED9906D9}"/>
+              </a:ext>
+            </a:extLst>
+          </p:cNvPr>
+          <p:cNvSpPr txBox="1"/>
+          <p:nvPr/>
+        </p:nvSpPr>
+        <p:spPr>
+          <a:xfrm>
+            <a:off x="4972749" y="1192005"/>
+            <a:ext cx="1178469" cy="369332"/>
+          </a:xfrm>
+          <a:prstGeom prst="rect">
+            <a:avLst/>
+          </a:prstGeom>
+          <a:noFill/>
+        </p:spPr>
+        <p:txBody>
+          <a:bodyPr wrap="square" rtlCol="0">
+            <a:spAutoFit/>
+          </a:bodyPr>
+          <a:lstStyle/>
+          <a:p>
+            <a:r>
               <a:rPr lang="fr-FR" dirty="0" err="1"/>
-              <a:t>Turkey</a:t>
+              <a:t>Iceland</a:t>
             </a:r>
             <a:endParaRPr lang="fr-FR" dirty="0"/>
           </a:p>
